--- a/ppt 16-9/0164.哈利路亚.pptx
+++ b/ppt 16-9/0164.哈利路亚.pptx
@@ -129,7 +129,7 @@
           <p:cNvPr id="2" name="标题 1">
             <a:extLst>
               <a:ext uri="{FF2B5EF4-FFF2-40B4-BE49-F238E27FC236}">
-                <a16:creationId xmlns:a16="http://schemas.microsoft.com/office/drawing/2014/main" id="{E8460FC1-5855-02D3-2273-F6AB60847AC2}"/>
+                <a16:creationId xmlns:a16="http://schemas.microsoft.com/office/drawing/2014/main" id="{A09D59FE-C2C7-6FAF-C8FE-B56EBE194447}"/>
               </a:ext>
             </a:extLst>
           </p:cNvPr>
@@ -166,7 +166,7 @@
           <p:cNvPr id="3" name="副标题 2">
             <a:extLst>
               <a:ext uri="{FF2B5EF4-FFF2-40B4-BE49-F238E27FC236}">
-                <a16:creationId xmlns:a16="http://schemas.microsoft.com/office/drawing/2014/main" id="{DB127A8E-5DDF-CBF9-2B8C-B24015B19399}"/>
+                <a16:creationId xmlns:a16="http://schemas.microsoft.com/office/drawing/2014/main" id="{001CC339-533E-8E0A-1EBE-44FA8FE3D4DF}"/>
               </a:ext>
             </a:extLst>
           </p:cNvPr>
@@ -236,7 +236,7 @@
           <p:cNvPr id="4" name="日期占位符 3">
             <a:extLst>
               <a:ext uri="{FF2B5EF4-FFF2-40B4-BE49-F238E27FC236}">
-                <a16:creationId xmlns:a16="http://schemas.microsoft.com/office/drawing/2014/main" id="{33317BDA-1A2B-64BD-F87B-E34419462C4E}"/>
+                <a16:creationId xmlns:a16="http://schemas.microsoft.com/office/drawing/2014/main" id="{BBC0E88B-F92A-EA03-E716-2F6F77E50C56}"/>
               </a:ext>
             </a:extLst>
           </p:cNvPr>
@@ -252,7 +252,7 @@
           <a:bodyPr/>
           <a:lstStyle/>
           <a:p>
-            <a:fld id="{77C5CD56-2F67-4076-9CC1-CFE1FDA15A44}" type="datetimeFigureOut">
+            <a:fld id="{2AE5ABDB-7A2C-49E3-BE05-9608494B3E6C}" type="datetimeFigureOut">
               <a:rPr lang="zh-CN" altLang="en-US" smtClean="0"/>
               <a:t>2024/3/10</a:t>
             </a:fld>
@@ -265,7 +265,7 @@
           <p:cNvPr id="5" name="页脚占位符 4">
             <a:extLst>
               <a:ext uri="{FF2B5EF4-FFF2-40B4-BE49-F238E27FC236}">
-                <a16:creationId xmlns:a16="http://schemas.microsoft.com/office/drawing/2014/main" id="{ACFE217B-5766-BE5F-3F94-5604D8A6586E}"/>
+                <a16:creationId xmlns:a16="http://schemas.microsoft.com/office/drawing/2014/main" id="{424AA102-9B7E-6C7F-1710-55D7BA45D6C0}"/>
               </a:ext>
             </a:extLst>
           </p:cNvPr>
@@ -290,7 +290,7 @@
           <p:cNvPr id="6" name="灯片编号占位符 5">
             <a:extLst>
               <a:ext uri="{FF2B5EF4-FFF2-40B4-BE49-F238E27FC236}">
-                <a16:creationId xmlns:a16="http://schemas.microsoft.com/office/drawing/2014/main" id="{66BC1AA4-6A49-A13B-0604-153C8922AE85}"/>
+                <a16:creationId xmlns:a16="http://schemas.microsoft.com/office/drawing/2014/main" id="{BED21867-1691-EAE4-7EA0-C8547032295E}"/>
               </a:ext>
             </a:extLst>
           </p:cNvPr>
@@ -306,7 +306,7 @@
           <a:bodyPr/>
           <a:lstStyle/>
           <a:p>
-            <a:fld id="{C84D6BEA-9E07-4E8B-B13E-9AF8D54BB071}" type="slidenum">
+            <a:fld id="{E941C4AC-F87C-42D2-8E6A-B5B7EA2C1C3B}" type="slidenum">
               <a:rPr lang="zh-CN" altLang="en-US" smtClean="0"/>
               <a:t>‹#›</a:t>
             </a:fld>
@@ -317,7 +317,7 @@
     </p:spTree>
     <p:extLst>
       <p:ext uri="{BB962C8B-B14F-4D97-AF65-F5344CB8AC3E}">
-        <p14:creationId xmlns:p14="http://schemas.microsoft.com/office/powerpoint/2010/main" val="678456286"/>
+        <p14:creationId xmlns:p14="http://schemas.microsoft.com/office/powerpoint/2010/main" val="1255640625"/>
       </p:ext>
     </p:extLst>
   </p:cSld>
@@ -349,7 +349,7 @@
           <p:cNvPr id="2" name="标题 1">
             <a:extLst>
               <a:ext uri="{FF2B5EF4-FFF2-40B4-BE49-F238E27FC236}">
-                <a16:creationId xmlns:a16="http://schemas.microsoft.com/office/drawing/2014/main" id="{9B5FEAD5-4E04-6184-ED0D-B437A257B5F7}"/>
+                <a16:creationId xmlns:a16="http://schemas.microsoft.com/office/drawing/2014/main" id="{E23A5395-19F7-2B13-8D91-3BC1CE6A2F88}"/>
               </a:ext>
             </a:extLst>
           </p:cNvPr>
@@ -377,7 +377,7 @@
           <p:cNvPr id="3" name="竖排文字占位符 2">
             <a:extLst>
               <a:ext uri="{FF2B5EF4-FFF2-40B4-BE49-F238E27FC236}">
-                <a16:creationId xmlns:a16="http://schemas.microsoft.com/office/drawing/2014/main" id="{4AD2FED9-2699-EFE5-A912-2CF078E39AEF}"/>
+                <a16:creationId xmlns:a16="http://schemas.microsoft.com/office/drawing/2014/main" id="{27405A9C-DDF5-8AE3-8759-F16AAA873259}"/>
               </a:ext>
             </a:extLst>
           </p:cNvPr>
@@ -434,7 +434,7 @@
           <p:cNvPr id="4" name="日期占位符 3">
             <a:extLst>
               <a:ext uri="{FF2B5EF4-FFF2-40B4-BE49-F238E27FC236}">
-                <a16:creationId xmlns:a16="http://schemas.microsoft.com/office/drawing/2014/main" id="{D6DFB7C9-E142-C4BE-64FD-D5D91466E6CE}"/>
+                <a16:creationId xmlns:a16="http://schemas.microsoft.com/office/drawing/2014/main" id="{BB989ECB-9A6D-129A-8858-3DEA1343477E}"/>
               </a:ext>
             </a:extLst>
           </p:cNvPr>
@@ -450,7 +450,7 @@
           <a:bodyPr/>
           <a:lstStyle/>
           <a:p>
-            <a:fld id="{77C5CD56-2F67-4076-9CC1-CFE1FDA15A44}" type="datetimeFigureOut">
+            <a:fld id="{2AE5ABDB-7A2C-49E3-BE05-9608494B3E6C}" type="datetimeFigureOut">
               <a:rPr lang="zh-CN" altLang="en-US" smtClean="0"/>
               <a:t>2024/3/10</a:t>
             </a:fld>
@@ -463,7 +463,7 @@
           <p:cNvPr id="5" name="页脚占位符 4">
             <a:extLst>
               <a:ext uri="{FF2B5EF4-FFF2-40B4-BE49-F238E27FC236}">
-                <a16:creationId xmlns:a16="http://schemas.microsoft.com/office/drawing/2014/main" id="{D87214A6-0198-749A-4623-2B19EF090780}"/>
+                <a16:creationId xmlns:a16="http://schemas.microsoft.com/office/drawing/2014/main" id="{AF7C364A-1C90-C3C3-F95E-F3C9FB453129}"/>
               </a:ext>
             </a:extLst>
           </p:cNvPr>
@@ -488,7 +488,7 @@
           <p:cNvPr id="6" name="灯片编号占位符 5">
             <a:extLst>
               <a:ext uri="{FF2B5EF4-FFF2-40B4-BE49-F238E27FC236}">
-                <a16:creationId xmlns:a16="http://schemas.microsoft.com/office/drawing/2014/main" id="{02A8180A-4A44-E86F-E999-B2D44D164E4B}"/>
+                <a16:creationId xmlns:a16="http://schemas.microsoft.com/office/drawing/2014/main" id="{6AAA54B4-D770-7879-48F8-73476F42B93B}"/>
               </a:ext>
             </a:extLst>
           </p:cNvPr>
@@ -504,7 +504,7 @@
           <a:bodyPr/>
           <a:lstStyle/>
           <a:p>
-            <a:fld id="{C84D6BEA-9E07-4E8B-B13E-9AF8D54BB071}" type="slidenum">
+            <a:fld id="{E941C4AC-F87C-42D2-8E6A-B5B7EA2C1C3B}" type="slidenum">
               <a:rPr lang="zh-CN" altLang="en-US" smtClean="0"/>
               <a:t>‹#›</a:t>
             </a:fld>
@@ -515,7 +515,7 @@
     </p:spTree>
     <p:extLst>
       <p:ext uri="{BB962C8B-B14F-4D97-AF65-F5344CB8AC3E}">
-        <p14:creationId xmlns:p14="http://schemas.microsoft.com/office/powerpoint/2010/main" val="2615295727"/>
+        <p14:creationId xmlns:p14="http://schemas.microsoft.com/office/powerpoint/2010/main" val="2078308612"/>
       </p:ext>
     </p:extLst>
   </p:cSld>
@@ -547,7 +547,7 @@
           <p:cNvPr id="2" name="竖排标题 1">
             <a:extLst>
               <a:ext uri="{FF2B5EF4-FFF2-40B4-BE49-F238E27FC236}">
-                <a16:creationId xmlns:a16="http://schemas.microsoft.com/office/drawing/2014/main" id="{DCFCBCC8-6A02-6026-9724-26235B1D5853}"/>
+                <a16:creationId xmlns:a16="http://schemas.microsoft.com/office/drawing/2014/main" id="{E4A36957-4DC4-C47A-C3BB-D9A95F2525CB}"/>
               </a:ext>
             </a:extLst>
           </p:cNvPr>
@@ -580,7 +580,7 @@
           <p:cNvPr id="3" name="竖排文字占位符 2">
             <a:extLst>
               <a:ext uri="{FF2B5EF4-FFF2-40B4-BE49-F238E27FC236}">
-                <a16:creationId xmlns:a16="http://schemas.microsoft.com/office/drawing/2014/main" id="{7A6BE20B-3FC8-C8AC-E605-73711D28D89F}"/>
+                <a16:creationId xmlns:a16="http://schemas.microsoft.com/office/drawing/2014/main" id="{38251E15-04C1-7D17-CF9A-6F092A62420C}"/>
               </a:ext>
             </a:extLst>
           </p:cNvPr>
@@ -642,7 +642,7 @@
           <p:cNvPr id="4" name="日期占位符 3">
             <a:extLst>
               <a:ext uri="{FF2B5EF4-FFF2-40B4-BE49-F238E27FC236}">
-                <a16:creationId xmlns:a16="http://schemas.microsoft.com/office/drawing/2014/main" id="{7DB29401-F282-37D5-37D4-E4BA9774E114}"/>
+                <a16:creationId xmlns:a16="http://schemas.microsoft.com/office/drawing/2014/main" id="{FFD5F0C7-5523-19F7-49E4-A1805020747E}"/>
               </a:ext>
             </a:extLst>
           </p:cNvPr>
@@ -658,7 +658,7 @@
           <a:bodyPr/>
           <a:lstStyle/>
           <a:p>
-            <a:fld id="{77C5CD56-2F67-4076-9CC1-CFE1FDA15A44}" type="datetimeFigureOut">
+            <a:fld id="{2AE5ABDB-7A2C-49E3-BE05-9608494B3E6C}" type="datetimeFigureOut">
               <a:rPr lang="zh-CN" altLang="en-US" smtClean="0"/>
               <a:t>2024/3/10</a:t>
             </a:fld>
@@ -671,7 +671,7 @@
           <p:cNvPr id="5" name="页脚占位符 4">
             <a:extLst>
               <a:ext uri="{FF2B5EF4-FFF2-40B4-BE49-F238E27FC236}">
-                <a16:creationId xmlns:a16="http://schemas.microsoft.com/office/drawing/2014/main" id="{D43C4FD3-EA06-7492-639D-B4939CED9AD2}"/>
+                <a16:creationId xmlns:a16="http://schemas.microsoft.com/office/drawing/2014/main" id="{A5BF6CD1-AEA7-E0C5-70C3-B5711C758A85}"/>
               </a:ext>
             </a:extLst>
           </p:cNvPr>
@@ -696,7 +696,7 @@
           <p:cNvPr id="6" name="灯片编号占位符 5">
             <a:extLst>
               <a:ext uri="{FF2B5EF4-FFF2-40B4-BE49-F238E27FC236}">
-                <a16:creationId xmlns:a16="http://schemas.microsoft.com/office/drawing/2014/main" id="{A4D76A76-A7CE-8A75-DAF6-61886723B2E2}"/>
+                <a16:creationId xmlns:a16="http://schemas.microsoft.com/office/drawing/2014/main" id="{58B9A36C-AEF9-CA3A-4304-A457364AB921}"/>
               </a:ext>
             </a:extLst>
           </p:cNvPr>
@@ -712,7 +712,7 @@
           <a:bodyPr/>
           <a:lstStyle/>
           <a:p>
-            <a:fld id="{C84D6BEA-9E07-4E8B-B13E-9AF8D54BB071}" type="slidenum">
+            <a:fld id="{E941C4AC-F87C-42D2-8E6A-B5B7EA2C1C3B}" type="slidenum">
               <a:rPr lang="zh-CN" altLang="en-US" smtClean="0"/>
               <a:t>‹#›</a:t>
             </a:fld>
@@ -723,7 +723,7 @@
     </p:spTree>
     <p:extLst>
       <p:ext uri="{BB962C8B-B14F-4D97-AF65-F5344CB8AC3E}">
-        <p14:creationId xmlns:p14="http://schemas.microsoft.com/office/powerpoint/2010/main" val="633744751"/>
+        <p14:creationId xmlns:p14="http://schemas.microsoft.com/office/powerpoint/2010/main" val="1858768856"/>
       </p:ext>
     </p:extLst>
   </p:cSld>
@@ -755,7 +755,7 @@
           <p:cNvPr id="2" name="标题 1">
             <a:extLst>
               <a:ext uri="{FF2B5EF4-FFF2-40B4-BE49-F238E27FC236}">
-                <a16:creationId xmlns:a16="http://schemas.microsoft.com/office/drawing/2014/main" id="{1DF181D3-3A04-0FDD-87A4-71D21EE214D0}"/>
+                <a16:creationId xmlns:a16="http://schemas.microsoft.com/office/drawing/2014/main" id="{FBB2B0AA-851D-1FA5-1FA1-8C46DB8F7A7A}"/>
               </a:ext>
             </a:extLst>
           </p:cNvPr>
@@ -783,7 +783,7 @@
           <p:cNvPr id="3" name="内容占位符 2">
             <a:extLst>
               <a:ext uri="{FF2B5EF4-FFF2-40B4-BE49-F238E27FC236}">
-                <a16:creationId xmlns:a16="http://schemas.microsoft.com/office/drawing/2014/main" id="{C93F8BA3-C1A9-4077-0DF9-A6E71FF521DA}"/>
+                <a16:creationId xmlns:a16="http://schemas.microsoft.com/office/drawing/2014/main" id="{0904A440-22A9-2EFD-3335-F0604AC22377}"/>
               </a:ext>
             </a:extLst>
           </p:cNvPr>
@@ -840,7 +840,7 @@
           <p:cNvPr id="4" name="日期占位符 3">
             <a:extLst>
               <a:ext uri="{FF2B5EF4-FFF2-40B4-BE49-F238E27FC236}">
-                <a16:creationId xmlns:a16="http://schemas.microsoft.com/office/drawing/2014/main" id="{3A4416CF-F92F-B50C-E273-BE1260061630}"/>
+                <a16:creationId xmlns:a16="http://schemas.microsoft.com/office/drawing/2014/main" id="{11F5514A-913F-BBF3-C646-82805D033719}"/>
               </a:ext>
             </a:extLst>
           </p:cNvPr>
@@ -856,7 +856,7 @@
           <a:bodyPr/>
           <a:lstStyle/>
           <a:p>
-            <a:fld id="{77C5CD56-2F67-4076-9CC1-CFE1FDA15A44}" type="datetimeFigureOut">
+            <a:fld id="{2AE5ABDB-7A2C-49E3-BE05-9608494B3E6C}" type="datetimeFigureOut">
               <a:rPr lang="zh-CN" altLang="en-US" smtClean="0"/>
               <a:t>2024/3/10</a:t>
             </a:fld>
@@ -869,7 +869,7 @@
           <p:cNvPr id="5" name="页脚占位符 4">
             <a:extLst>
               <a:ext uri="{FF2B5EF4-FFF2-40B4-BE49-F238E27FC236}">
-                <a16:creationId xmlns:a16="http://schemas.microsoft.com/office/drawing/2014/main" id="{DF3DD7CB-177F-BB41-D7D4-2D8A01D21165}"/>
+                <a16:creationId xmlns:a16="http://schemas.microsoft.com/office/drawing/2014/main" id="{3563CD9C-C022-6665-C31E-6CE509A9DD40}"/>
               </a:ext>
             </a:extLst>
           </p:cNvPr>
@@ -894,7 +894,7 @@
           <p:cNvPr id="6" name="灯片编号占位符 5">
             <a:extLst>
               <a:ext uri="{FF2B5EF4-FFF2-40B4-BE49-F238E27FC236}">
-                <a16:creationId xmlns:a16="http://schemas.microsoft.com/office/drawing/2014/main" id="{FC6EED09-3763-C21C-8984-20C07CA05A5D}"/>
+                <a16:creationId xmlns:a16="http://schemas.microsoft.com/office/drawing/2014/main" id="{42DD91ED-52AB-12FC-6FEF-2EF60D5F4DD3}"/>
               </a:ext>
             </a:extLst>
           </p:cNvPr>
@@ -910,7 +910,7 @@
           <a:bodyPr/>
           <a:lstStyle/>
           <a:p>
-            <a:fld id="{C84D6BEA-9E07-4E8B-B13E-9AF8D54BB071}" type="slidenum">
+            <a:fld id="{E941C4AC-F87C-42D2-8E6A-B5B7EA2C1C3B}" type="slidenum">
               <a:rPr lang="zh-CN" altLang="en-US" smtClean="0"/>
               <a:t>‹#›</a:t>
             </a:fld>
@@ -921,7 +921,7 @@
     </p:spTree>
     <p:extLst>
       <p:ext uri="{BB962C8B-B14F-4D97-AF65-F5344CB8AC3E}">
-        <p14:creationId xmlns:p14="http://schemas.microsoft.com/office/powerpoint/2010/main" val="2024530284"/>
+        <p14:creationId xmlns:p14="http://schemas.microsoft.com/office/powerpoint/2010/main" val="1044745345"/>
       </p:ext>
     </p:extLst>
   </p:cSld>
@@ -953,7 +953,7 @@
           <p:cNvPr id="2" name="标题 1">
             <a:extLst>
               <a:ext uri="{FF2B5EF4-FFF2-40B4-BE49-F238E27FC236}">
-                <a16:creationId xmlns:a16="http://schemas.microsoft.com/office/drawing/2014/main" id="{9C085E31-E6C4-17DD-A6E4-ECE3F176438C}"/>
+                <a16:creationId xmlns:a16="http://schemas.microsoft.com/office/drawing/2014/main" id="{173F8998-2F60-385D-1532-1A00C80D6B3E}"/>
               </a:ext>
             </a:extLst>
           </p:cNvPr>
@@ -990,7 +990,7 @@
           <p:cNvPr id="3" name="文本占位符 2">
             <a:extLst>
               <a:ext uri="{FF2B5EF4-FFF2-40B4-BE49-F238E27FC236}">
-                <a16:creationId xmlns:a16="http://schemas.microsoft.com/office/drawing/2014/main" id="{9C4545DC-A471-A64D-9394-2FA58D0F6350}"/>
+                <a16:creationId xmlns:a16="http://schemas.microsoft.com/office/drawing/2014/main" id="{C14151FD-5226-236B-BC3B-C9D3800B92C8}"/>
               </a:ext>
             </a:extLst>
           </p:cNvPr>
@@ -1115,7 +1115,7 @@
           <p:cNvPr id="4" name="日期占位符 3">
             <a:extLst>
               <a:ext uri="{FF2B5EF4-FFF2-40B4-BE49-F238E27FC236}">
-                <a16:creationId xmlns:a16="http://schemas.microsoft.com/office/drawing/2014/main" id="{F96E2442-8914-81FF-31DC-9017FCF37AE2}"/>
+                <a16:creationId xmlns:a16="http://schemas.microsoft.com/office/drawing/2014/main" id="{AF8C15B1-CE79-A83A-78D2-6F1DB90CE443}"/>
               </a:ext>
             </a:extLst>
           </p:cNvPr>
@@ -1131,7 +1131,7 @@
           <a:bodyPr/>
           <a:lstStyle/>
           <a:p>
-            <a:fld id="{77C5CD56-2F67-4076-9CC1-CFE1FDA15A44}" type="datetimeFigureOut">
+            <a:fld id="{2AE5ABDB-7A2C-49E3-BE05-9608494B3E6C}" type="datetimeFigureOut">
               <a:rPr lang="zh-CN" altLang="en-US" smtClean="0"/>
               <a:t>2024/3/10</a:t>
             </a:fld>
@@ -1144,7 +1144,7 @@
           <p:cNvPr id="5" name="页脚占位符 4">
             <a:extLst>
               <a:ext uri="{FF2B5EF4-FFF2-40B4-BE49-F238E27FC236}">
-                <a16:creationId xmlns:a16="http://schemas.microsoft.com/office/drawing/2014/main" id="{2177B91F-3DC0-26BF-2A0C-C4056C62911E}"/>
+                <a16:creationId xmlns:a16="http://schemas.microsoft.com/office/drawing/2014/main" id="{F19DD780-73C9-4F66-C67F-F74D2139F8F9}"/>
               </a:ext>
             </a:extLst>
           </p:cNvPr>
@@ -1169,7 +1169,7 @@
           <p:cNvPr id="6" name="灯片编号占位符 5">
             <a:extLst>
               <a:ext uri="{FF2B5EF4-FFF2-40B4-BE49-F238E27FC236}">
-                <a16:creationId xmlns:a16="http://schemas.microsoft.com/office/drawing/2014/main" id="{277BDD20-315E-2BDC-0B87-B0C806821FF1}"/>
+                <a16:creationId xmlns:a16="http://schemas.microsoft.com/office/drawing/2014/main" id="{D130A65E-DADC-2165-5638-62DC1BE7C051}"/>
               </a:ext>
             </a:extLst>
           </p:cNvPr>
@@ -1185,7 +1185,7 @@
           <a:bodyPr/>
           <a:lstStyle/>
           <a:p>
-            <a:fld id="{C84D6BEA-9E07-4E8B-B13E-9AF8D54BB071}" type="slidenum">
+            <a:fld id="{E941C4AC-F87C-42D2-8E6A-B5B7EA2C1C3B}" type="slidenum">
               <a:rPr lang="zh-CN" altLang="en-US" smtClean="0"/>
               <a:t>‹#›</a:t>
             </a:fld>
@@ -1196,7 +1196,7 @@
     </p:spTree>
     <p:extLst>
       <p:ext uri="{BB962C8B-B14F-4D97-AF65-F5344CB8AC3E}">
-        <p14:creationId xmlns:p14="http://schemas.microsoft.com/office/powerpoint/2010/main" val="3818536082"/>
+        <p14:creationId xmlns:p14="http://schemas.microsoft.com/office/powerpoint/2010/main" val="2682745004"/>
       </p:ext>
     </p:extLst>
   </p:cSld>
@@ -1228,7 +1228,7 @@
           <p:cNvPr id="2" name="标题 1">
             <a:extLst>
               <a:ext uri="{FF2B5EF4-FFF2-40B4-BE49-F238E27FC236}">
-                <a16:creationId xmlns:a16="http://schemas.microsoft.com/office/drawing/2014/main" id="{7BF38D0E-081D-66DA-CFD7-7EB2A752D880}"/>
+                <a16:creationId xmlns:a16="http://schemas.microsoft.com/office/drawing/2014/main" id="{FDD13151-93A3-CB23-3D1A-4DC1340D77CB}"/>
               </a:ext>
             </a:extLst>
           </p:cNvPr>
@@ -1256,7 +1256,7 @@
           <p:cNvPr id="3" name="内容占位符 2">
             <a:extLst>
               <a:ext uri="{FF2B5EF4-FFF2-40B4-BE49-F238E27FC236}">
-                <a16:creationId xmlns:a16="http://schemas.microsoft.com/office/drawing/2014/main" id="{81BCF63A-4D9E-DC94-683E-3AFC04153EB6}"/>
+                <a16:creationId xmlns:a16="http://schemas.microsoft.com/office/drawing/2014/main" id="{B573D40E-65D1-7EE1-4F9C-A54804DB580A}"/>
               </a:ext>
             </a:extLst>
           </p:cNvPr>
@@ -1318,7 +1318,7 @@
           <p:cNvPr id="4" name="内容占位符 3">
             <a:extLst>
               <a:ext uri="{FF2B5EF4-FFF2-40B4-BE49-F238E27FC236}">
-                <a16:creationId xmlns:a16="http://schemas.microsoft.com/office/drawing/2014/main" id="{81516A73-7587-A80D-87A0-D35E3CB5C0E7}"/>
+                <a16:creationId xmlns:a16="http://schemas.microsoft.com/office/drawing/2014/main" id="{F3B0DB08-753B-23BD-8279-F68D6E4C6749}"/>
               </a:ext>
             </a:extLst>
           </p:cNvPr>
@@ -1380,7 +1380,7 @@
           <p:cNvPr id="5" name="日期占位符 4">
             <a:extLst>
               <a:ext uri="{FF2B5EF4-FFF2-40B4-BE49-F238E27FC236}">
-                <a16:creationId xmlns:a16="http://schemas.microsoft.com/office/drawing/2014/main" id="{D9A0C4C6-D8A3-0512-CAF7-B8285E9F25BA}"/>
+                <a16:creationId xmlns:a16="http://schemas.microsoft.com/office/drawing/2014/main" id="{E5F4919B-D591-763C-25F7-81F5977CC635}"/>
               </a:ext>
             </a:extLst>
           </p:cNvPr>
@@ -1396,7 +1396,7 @@
           <a:bodyPr/>
           <a:lstStyle/>
           <a:p>
-            <a:fld id="{77C5CD56-2F67-4076-9CC1-CFE1FDA15A44}" type="datetimeFigureOut">
+            <a:fld id="{2AE5ABDB-7A2C-49E3-BE05-9608494B3E6C}" type="datetimeFigureOut">
               <a:rPr lang="zh-CN" altLang="en-US" smtClean="0"/>
               <a:t>2024/3/10</a:t>
             </a:fld>
@@ -1409,7 +1409,7 @@
           <p:cNvPr id="6" name="页脚占位符 5">
             <a:extLst>
               <a:ext uri="{FF2B5EF4-FFF2-40B4-BE49-F238E27FC236}">
-                <a16:creationId xmlns:a16="http://schemas.microsoft.com/office/drawing/2014/main" id="{9B92DAFF-3587-7E84-14E4-F4ACF710D65A}"/>
+                <a16:creationId xmlns:a16="http://schemas.microsoft.com/office/drawing/2014/main" id="{3D2A8C63-6B25-4EFE-63C6-59FA7F16608D}"/>
               </a:ext>
             </a:extLst>
           </p:cNvPr>
@@ -1434,7 +1434,7 @@
           <p:cNvPr id="7" name="灯片编号占位符 6">
             <a:extLst>
               <a:ext uri="{FF2B5EF4-FFF2-40B4-BE49-F238E27FC236}">
-                <a16:creationId xmlns:a16="http://schemas.microsoft.com/office/drawing/2014/main" id="{87007066-5F4D-900F-1ECB-706D78949F4B}"/>
+                <a16:creationId xmlns:a16="http://schemas.microsoft.com/office/drawing/2014/main" id="{996D0A5B-D270-5BE4-4C98-22D5BD8F7D8E}"/>
               </a:ext>
             </a:extLst>
           </p:cNvPr>
@@ -1450,7 +1450,7 @@
           <a:bodyPr/>
           <a:lstStyle/>
           <a:p>
-            <a:fld id="{C84D6BEA-9E07-4E8B-B13E-9AF8D54BB071}" type="slidenum">
+            <a:fld id="{E941C4AC-F87C-42D2-8E6A-B5B7EA2C1C3B}" type="slidenum">
               <a:rPr lang="zh-CN" altLang="en-US" smtClean="0"/>
               <a:t>‹#›</a:t>
             </a:fld>
@@ -1461,7 +1461,7 @@
     </p:spTree>
     <p:extLst>
       <p:ext uri="{BB962C8B-B14F-4D97-AF65-F5344CB8AC3E}">
-        <p14:creationId xmlns:p14="http://schemas.microsoft.com/office/powerpoint/2010/main" val="3836997545"/>
+        <p14:creationId xmlns:p14="http://schemas.microsoft.com/office/powerpoint/2010/main" val="6360000"/>
       </p:ext>
     </p:extLst>
   </p:cSld>
@@ -1493,7 +1493,7 @@
           <p:cNvPr id="2" name="标题 1">
             <a:extLst>
               <a:ext uri="{FF2B5EF4-FFF2-40B4-BE49-F238E27FC236}">
-                <a16:creationId xmlns:a16="http://schemas.microsoft.com/office/drawing/2014/main" id="{62785D34-4813-BE6F-E53B-D7E28C66FAF4}"/>
+                <a16:creationId xmlns:a16="http://schemas.microsoft.com/office/drawing/2014/main" id="{E7DA6B7F-E8D0-0DBC-6799-0EB23B244759}"/>
               </a:ext>
             </a:extLst>
           </p:cNvPr>
@@ -1526,7 +1526,7 @@
           <p:cNvPr id="3" name="文本占位符 2">
             <a:extLst>
               <a:ext uri="{FF2B5EF4-FFF2-40B4-BE49-F238E27FC236}">
-                <a16:creationId xmlns:a16="http://schemas.microsoft.com/office/drawing/2014/main" id="{92F40338-3A67-A13D-2877-3188DDF5EA0F}"/>
+                <a16:creationId xmlns:a16="http://schemas.microsoft.com/office/drawing/2014/main" id="{FCEE5419-A09E-0867-6D56-F938606C3A9B}"/>
               </a:ext>
             </a:extLst>
           </p:cNvPr>
@@ -1597,7 +1597,7 @@
           <p:cNvPr id="4" name="内容占位符 3">
             <a:extLst>
               <a:ext uri="{FF2B5EF4-FFF2-40B4-BE49-F238E27FC236}">
-                <a16:creationId xmlns:a16="http://schemas.microsoft.com/office/drawing/2014/main" id="{929AABA9-30AE-BDCA-6F33-00981CFEC4B7}"/>
+                <a16:creationId xmlns:a16="http://schemas.microsoft.com/office/drawing/2014/main" id="{2F8A4E47-AD91-C318-26D2-61267D18C8ED}"/>
               </a:ext>
             </a:extLst>
           </p:cNvPr>
@@ -1659,7 +1659,7 @@
           <p:cNvPr id="5" name="文本占位符 4">
             <a:extLst>
               <a:ext uri="{FF2B5EF4-FFF2-40B4-BE49-F238E27FC236}">
-                <a16:creationId xmlns:a16="http://schemas.microsoft.com/office/drawing/2014/main" id="{E9F32697-04B3-B3DB-85AB-2E1CA3175CCB}"/>
+                <a16:creationId xmlns:a16="http://schemas.microsoft.com/office/drawing/2014/main" id="{5907A173-F570-2355-CDCF-7828C8D425EF}"/>
               </a:ext>
             </a:extLst>
           </p:cNvPr>
@@ -1730,7 +1730,7 @@
           <p:cNvPr id="6" name="内容占位符 5">
             <a:extLst>
               <a:ext uri="{FF2B5EF4-FFF2-40B4-BE49-F238E27FC236}">
-                <a16:creationId xmlns:a16="http://schemas.microsoft.com/office/drawing/2014/main" id="{29CE48D4-37A0-5AFD-213D-3ED57EC93AD6}"/>
+                <a16:creationId xmlns:a16="http://schemas.microsoft.com/office/drawing/2014/main" id="{115F1F22-1186-A251-93D4-78AE01D4019E}"/>
               </a:ext>
             </a:extLst>
           </p:cNvPr>
@@ -1792,7 +1792,7 @@
           <p:cNvPr id="7" name="日期占位符 6">
             <a:extLst>
               <a:ext uri="{FF2B5EF4-FFF2-40B4-BE49-F238E27FC236}">
-                <a16:creationId xmlns:a16="http://schemas.microsoft.com/office/drawing/2014/main" id="{54E5A86D-5516-1E21-D4DC-7635C1A50376}"/>
+                <a16:creationId xmlns:a16="http://schemas.microsoft.com/office/drawing/2014/main" id="{86538134-E4FF-E3DA-47D4-11283AEA2891}"/>
               </a:ext>
             </a:extLst>
           </p:cNvPr>
@@ -1808,7 +1808,7 @@
           <a:bodyPr/>
           <a:lstStyle/>
           <a:p>
-            <a:fld id="{77C5CD56-2F67-4076-9CC1-CFE1FDA15A44}" type="datetimeFigureOut">
+            <a:fld id="{2AE5ABDB-7A2C-49E3-BE05-9608494B3E6C}" type="datetimeFigureOut">
               <a:rPr lang="zh-CN" altLang="en-US" smtClean="0"/>
               <a:t>2024/3/10</a:t>
             </a:fld>
@@ -1821,7 +1821,7 @@
           <p:cNvPr id="8" name="页脚占位符 7">
             <a:extLst>
               <a:ext uri="{FF2B5EF4-FFF2-40B4-BE49-F238E27FC236}">
-                <a16:creationId xmlns:a16="http://schemas.microsoft.com/office/drawing/2014/main" id="{4B8CDB74-6341-E276-DEF1-8BC64FB8045B}"/>
+                <a16:creationId xmlns:a16="http://schemas.microsoft.com/office/drawing/2014/main" id="{C59F7AE8-6813-DAB1-B77C-156CF70FBAC9}"/>
               </a:ext>
             </a:extLst>
           </p:cNvPr>
@@ -1846,7 +1846,7 @@
           <p:cNvPr id="9" name="灯片编号占位符 8">
             <a:extLst>
               <a:ext uri="{FF2B5EF4-FFF2-40B4-BE49-F238E27FC236}">
-                <a16:creationId xmlns:a16="http://schemas.microsoft.com/office/drawing/2014/main" id="{DC5BAA52-6807-0FE9-D48D-063A70D41D7A}"/>
+                <a16:creationId xmlns:a16="http://schemas.microsoft.com/office/drawing/2014/main" id="{B30E7026-9203-1E02-FEB2-1B815BBB2A23}"/>
               </a:ext>
             </a:extLst>
           </p:cNvPr>
@@ -1862,7 +1862,7 @@
           <a:bodyPr/>
           <a:lstStyle/>
           <a:p>
-            <a:fld id="{C84D6BEA-9E07-4E8B-B13E-9AF8D54BB071}" type="slidenum">
+            <a:fld id="{E941C4AC-F87C-42D2-8E6A-B5B7EA2C1C3B}" type="slidenum">
               <a:rPr lang="zh-CN" altLang="en-US" smtClean="0"/>
               <a:t>‹#›</a:t>
             </a:fld>
@@ -1873,7 +1873,7 @@
     </p:spTree>
     <p:extLst>
       <p:ext uri="{BB962C8B-B14F-4D97-AF65-F5344CB8AC3E}">
-        <p14:creationId xmlns:p14="http://schemas.microsoft.com/office/powerpoint/2010/main" val="2016933702"/>
+        <p14:creationId xmlns:p14="http://schemas.microsoft.com/office/powerpoint/2010/main" val="169066575"/>
       </p:ext>
     </p:extLst>
   </p:cSld>
@@ -1905,7 +1905,7 @@
           <p:cNvPr id="2" name="标题 1">
             <a:extLst>
               <a:ext uri="{FF2B5EF4-FFF2-40B4-BE49-F238E27FC236}">
-                <a16:creationId xmlns:a16="http://schemas.microsoft.com/office/drawing/2014/main" id="{4E664D93-DC82-B1B9-0A3C-4CEAA98B76C9}"/>
+                <a16:creationId xmlns:a16="http://schemas.microsoft.com/office/drawing/2014/main" id="{CCE0B0EA-09EE-9DDB-EAF1-D059CD2EE38B}"/>
               </a:ext>
             </a:extLst>
           </p:cNvPr>
@@ -1933,7 +1933,7 @@
           <p:cNvPr id="3" name="日期占位符 2">
             <a:extLst>
               <a:ext uri="{FF2B5EF4-FFF2-40B4-BE49-F238E27FC236}">
-                <a16:creationId xmlns:a16="http://schemas.microsoft.com/office/drawing/2014/main" id="{204D749D-2F64-6578-C8AB-2D69CCCB5797}"/>
+                <a16:creationId xmlns:a16="http://schemas.microsoft.com/office/drawing/2014/main" id="{8F8876E8-F303-2F0F-4C7E-AAF11CEB8BAE}"/>
               </a:ext>
             </a:extLst>
           </p:cNvPr>
@@ -1949,7 +1949,7 @@
           <a:bodyPr/>
           <a:lstStyle/>
           <a:p>
-            <a:fld id="{77C5CD56-2F67-4076-9CC1-CFE1FDA15A44}" type="datetimeFigureOut">
+            <a:fld id="{2AE5ABDB-7A2C-49E3-BE05-9608494B3E6C}" type="datetimeFigureOut">
               <a:rPr lang="zh-CN" altLang="en-US" smtClean="0"/>
               <a:t>2024/3/10</a:t>
             </a:fld>
@@ -1962,7 +1962,7 @@
           <p:cNvPr id="4" name="页脚占位符 3">
             <a:extLst>
               <a:ext uri="{FF2B5EF4-FFF2-40B4-BE49-F238E27FC236}">
-                <a16:creationId xmlns:a16="http://schemas.microsoft.com/office/drawing/2014/main" id="{EA68B220-8D9E-A960-D3C3-582350C710FD}"/>
+                <a16:creationId xmlns:a16="http://schemas.microsoft.com/office/drawing/2014/main" id="{342AF9A2-0881-D860-E2B1-73A1027372CB}"/>
               </a:ext>
             </a:extLst>
           </p:cNvPr>
@@ -1987,7 +1987,7 @@
           <p:cNvPr id="5" name="灯片编号占位符 4">
             <a:extLst>
               <a:ext uri="{FF2B5EF4-FFF2-40B4-BE49-F238E27FC236}">
-                <a16:creationId xmlns:a16="http://schemas.microsoft.com/office/drawing/2014/main" id="{F8E6CC70-B5F7-3E53-A689-B8822DCDB34F}"/>
+                <a16:creationId xmlns:a16="http://schemas.microsoft.com/office/drawing/2014/main" id="{9A82CAF5-BEB3-3F1B-A210-FA40DE8A75BC}"/>
               </a:ext>
             </a:extLst>
           </p:cNvPr>
@@ -2003,7 +2003,7 @@
           <a:bodyPr/>
           <a:lstStyle/>
           <a:p>
-            <a:fld id="{C84D6BEA-9E07-4E8B-B13E-9AF8D54BB071}" type="slidenum">
+            <a:fld id="{E941C4AC-F87C-42D2-8E6A-B5B7EA2C1C3B}" type="slidenum">
               <a:rPr lang="zh-CN" altLang="en-US" smtClean="0"/>
               <a:t>‹#›</a:t>
             </a:fld>
@@ -2014,7 +2014,7 @@
     </p:spTree>
     <p:extLst>
       <p:ext uri="{BB962C8B-B14F-4D97-AF65-F5344CB8AC3E}">
-        <p14:creationId xmlns:p14="http://schemas.microsoft.com/office/powerpoint/2010/main" val="135163923"/>
+        <p14:creationId xmlns:p14="http://schemas.microsoft.com/office/powerpoint/2010/main" val="353211562"/>
       </p:ext>
     </p:extLst>
   </p:cSld>
@@ -2046,7 +2046,7 @@
           <p:cNvPr id="2" name="日期占位符 1">
             <a:extLst>
               <a:ext uri="{FF2B5EF4-FFF2-40B4-BE49-F238E27FC236}">
-                <a16:creationId xmlns:a16="http://schemas.microsoft.com/office/drawing/2014/main" id="{74987FDC-803A-FD9C-B9BC-8C2BFBC0B0DB}"/>
+                <a16:creationId xmlns:a16="http://schemas.microsoft.com/office/drawing/2014/main" id="{A66135C8-92F6-9BF4-ABB6-ECFEAC967443}"/>
               </a:ext>
             </a:extLst>
           </p:cNvPr>
@@ -2062,7 +2062,7 @@
           <a:bodyPr/>
           <a:lstStyle/>
           <a:p>
-            <a:fld id="{77C5CD56-2F67-4076-9CC1-CFE1FDA15A44}" type="datetimeFigureOut">
+            <a:fld id="{2AE5ABDB-7A2C-49E3-BE05-9608494B3E6C}" type="datetimeFigureOut">
               <a:rPr lang="zh-CN" altLang="en-US" smtClean="0"/>
               <a:t>2024/3/10</a:t>
             </a:fld>
@@ -2075,7 +2075,7 @@
           <p:cNvPr id="3" name="页脚占位符 2">
             <a:extLst>
               <a:ext uri="{FF2B5EF4-FFF2-40B4-BE49-F238E27FC236}">
-                <a16:creationId xmlns:a16="http://schemas.microsoft.com/office/drawing/2014/main" id="{A0E031CD-828D-98A3-5002-8F2CAF9C19F0}"/>
+                <a16:creationId xmlns:a16="http://schemas.microsoft.com/office/drawing/2014/main" id="{1F16D380-9C73-B116-F028-6A0B72F3E7C9}"/>
               </a:ext>
             </a:extLst>
           </p:cNvPr>
@@ -2100,7 +2100,7 @@
           <p:cNvPr id="4" name="灯片编号占位符 3">
             <a:extLst>
               <a:ext uri="{FF2B5EF4-FFF2-40B4-BE49-F238E27FC236}">
-                <a16:creationId xmlns:a16="http://schemas.microsoft.com/office/drawing/2014/main" id="{0685974A-477C-0E8F-388F-34B3ED699AFF}"/>
+                <a16:creationId xmlns:a16="http://schemas.microsoft.com/office/drawing/2014/main" id="{AB9C7627-2965-6FC6-C634-EF79D0EB7BC8}"/>
               </a:ext>
             </a:extLst>
           </p:cNvPr>
@@ -2116,7 +2116,7 @@
           <a:bodyPr/>
           <a:lstStyle/>
           <a:p>
-            <a:fld id="{C84D6BEA-9E07-4E8B-B13E-9AF8D54BB071}" type="slidenum">
+            <a:fld id="{E941C4AC-F87C-42D2-8E6A-B5B7EA2C1C3B}" type="slidenum">
               <a:rPr lang="zh-CN" altLang="en-US" smtClean="0"/>
               <a:t>‹#›</a:t>
             </a:fld>
@@ -2127,7 +2127,7 @@
     </p:spTree>
     <p:extLst>
       <p:ext uri="{BB962C8B-B14F-4D97-AF65-F5344CB8AC3E}">
-        <p14:creationId xmlns:p14="http://schemas.microsoft.com/office/powerpoint/2010/main" val="1484797300"/>
+        <p14:creationId xmlns:p14="http://schemas.microsoft.com/office/powerpoint/2010/main" val="3230418926"/>
       </p:ext>
     </p:extLst>
   </p:cSld>
@@ -2159,7 +2159,7 @@
           <p:cNvPr id="2" name="标题 1">
             <a:extLst>
               <a:ext uri="{FF2B5EF4-FFF2-40B4-BE49-F238E27FC236}">
-                <a16:creationId xmlns:a16="http://schemas.microsoft.com/office/drawing/2014/main" id="{DE45E09E-A00B-F298-96DE-5E51F9A36571}"/>
+                <a16:creationId xmlns:a16="http://schemas.microsoft.com/office/drawing/2014/main" id="{19A5BA87-16F6-E548-8892-09613D228F64}"/>
               </a:ext>
             </a:extLst>
           </p:cNvPr>
@@ -2196,7 +2196,7 @@
           <p:cNvPr id="3" name="内容占位符 2">
             <a:extLst>
               <a:ext uri="{FF2B5EF4-FFF2-40B4-BE49-F238E27FC236}">
-                <a16:creationId xmlns:a16="http://schemas.microsoft.com/office/drawing/2014/main" id="{FB90A7EE-E642-D75F-903A-7B36395902CA}"/>
+                <a16:creationId xmlns:a16="http://schemas.microsoft.com/office/drawing/2014/main" id="{6C08EE39-BE02-C6E7-B180-D8D7CBC9DC45}"/>
               </a:ext>
             </a:extLst>
           </p:cNvPr>
@@ -2286,7 +2286,7 @@
           <p:cNvPr id="4" name="文本占位符 3">
             <a:extLst>
               <a:ext uri="{FF2B5EF4-FFF2-40B4-BE49-F238E27FC236}">
-                <a16:creationId xmlns:a16="http://schemas.microsoft.com/office/drawing/2014/main" id="{5F85758E-E22D-7AB6-C686-DDF9518C3355}"/>
+                <a16:creationId xmlns:a16="http://schemas.microsoft.com/office/drawing/2014/main" id="{966242B0-851B-BC69-B10A-1DB2B8BAEE64}"/>
               </a:ext>
             </a:extLst>
           </p:cNvPr>
@@ -2357,7 +2357,7 @@
           <p:cNvPr id="5" name="日期占位符 4">
             <a:extLst>
               <a:ext uri="{FF2B5EF4-FFF2-40B4-BE49-F238E27FC236}">
-                <a16:creationId xmlns:a16="http://schemas.microsoft.com/office/drawing/2014/main" id="{12E7757C-1814-6615-0FA3-BF67B642A26C}"/>
+                <a16:creationId xmlns:a16="http://schemas.microsoft.com/office/drawing/2014/main" id="{6C206B70-7E97-7BB0-B022-94C8858B2B40}"/>
               </a:ext>
             </a:extLst>
           </p:cNvPr>
@@ -2373,7 +2373,7 @@
           <a:bodyPr/>
           <a:lstStyle/>
           <a:p>
-            <a:fld id="{77C5CD56-2F67-4076-9CC1-CFE1FDA15A44}" type="datetimeFigureOut">
+            <a:fld id="{2AE5ABDB-7A2C-49E3-BE05-9608494B3E6C}" type="datetimeFigureOut">
               <a:rPr lang="zh-CN" altLang="en-US" smtClean="0"/>
               <a:t>2024/3/10</a:t>
             </a:fld>
@@ -2386,7 +2386,7 @@
           <p:cNvPr id="6" name="页脚占位符 5">
             <a:extLst>
               <a:ext uri="{FF2B5EF4-FFF2-40B4-BE49-F238E27FC236}">
-                <a16:creationId xmlns:a16="http://schemas.microsoft.com/office/drawing/2014/main" id="{C7594340-28D8-8FFB-D81B-3330885ACA15}"/>
+                <a16:creationId xmlns:a16="http://schemas.microsoft.com/office/drawing/2014/main" id="{794A2654-3242-2970-217A-4ECF254737C3}"/>
               </a:ext>
             </a:extLst>
           </p:cNvPr>
@@ -2411,7 +2411,7 @@
           <p:cNvPr id="7" name="灯片编号占位符 6">
             <a:extLst>
               <a:ext uri="{FF2B5EF4-FFF2-40B4-BE49-F238E27FC236}">
-                <a16:creationId xmlns:a16="http://schemas.microsoft.com/office/drawing/2014/main" id="{E06D06E2-8518-4FBD-4DFC-4FB7013F3C08}"/>
+                <a16:creationId xmlns:a16="http://schemas.microsoft.com/office/drawing/2014/main" id="{D7154904-CEE3-11A2-E69F-EE8409975C78}"/>
               </a:ext>
             </a:extLst>
           </p:cNvPr>
@@ -2427,7 +2427,7 @@
           <a:bodyPr/>
           <a:lstStyle/>
           <a:p>
-            <a:fld id="{C84D6BEA-9E07-4E8B-B13E-9AF8D54BB071}" type="slidenum">
+            <a:fld id="{E941C4AC-F87C-42D2-8E6A-B5B7EA2C1C3B}" type="slidenum">
               <a:rPr lang="zh-CN" altLang="en-US" smtClean="0"/>
               <a:t>‹#›</a:t>
             </a:fld>
@@ -2438,7 +2438,7 @@
     </p:spTree>
     <p:extLst>
       <p:ext uri="{BB962C8B-B14F-4D97-AF65-F5344CB8AC3E}">
-        <p14:creationId xmlns:p14="http://schemas.microsoft.com/office/powerpoint/2010/main" val="3553798129"/>
+        <p14:creationId xmlns:p14="http://schemas.microsoft.com/office/powerpoint/2010/main" val="66571625"/>
       </p:ext>
     </p:extLst>
   </p:cSld>
@@ -2470,7 +2470,7 @@
           <p:cNvPr id="2" name="标题 1">
             <a:extLst>
               <a:ext uri="{FF2B5EF4-FFF2-40B4-BE49-F238E27FC236}">
-                <a16:creationId xmlns:a16="http://schemas.microsoft.com/office/drawing/2014/main" id="{0EBBFE81-F73B-4938-921C-15730EF06F34}"/>
+                <a16:creationId xmlns:a16="http://schemas.microsoft.com/office/drawing/2014/main" id="{2EE7D332-6007-0877-F26A-30557538B1F6}"/>
               </a:ext>
             </a:extLst>
           </p:cNvPr>
@@ -2507,7 +2507,7 @@
           <p:cNvPr id="3" name="图片占位符 2">
             <a:extLst>
               <a:ext uri="{FF2B5EF4-FFF2-40B4-BE49-F238E27FC236}">
-                <a16:creationId xmlns:a16="http://schemas.microsoft.com/office/drawing/2014/main" id="{37998D9F-DDE1-BCE4-4B7E-14720D2FF2F8}"/>
+                <a16:creationId xmlns:a16="http://schemas.microsoft.com/office/drawing/2014/main" id="{94EBFD52-9F11-B713-0F98-FBF80E98293D}"/>
               </a:ext>
             </a:extLst>
           </p:cNvPr>
@@ -2574,7 +2574,7 @@
           <p:cNvPr id="4" name="文本占位符 3">
             <a:extLst>
               <a:ext uri="{FF2B5EF4-FFF2-40B4-BE49-F238E27FC236}">
-                <a16:creationId xmlns:a16="http://schemas.microsoft.com/office/drawing/2014/main" id="{C6848C6B-4899-D1BB-21A9-8C55D973275F}"/>
+                <a16:creationId xmlns:a16="http://schemas.microsoft.com/office/drawing/2014/main" id="{599DEABF-B4E5-D0E4-ED21-C70FF7361134}"/>
               </a:ext>
             </a:extLst>
           </p:cNvPr>
@@ -2645,7 +2645,7 @@
           <p:cNvPr id="5" name="日期占位符 4">
             <a:extLst>
               <a:ext uri="{FF2B5EF4-FFF2-40B4-BE49-F238E27FC236}">
-                <a16:creationId xmlns:a16="http://schemas.microsoft.com/office/drawing/2014/main" id="{6FFFB7AE-FAF1-1920-8DDB-6A05ADD0E739}"/>
+                <a16:creationId xmlns:a16="http://schemas.microsoft.com/office/drawing/2014/main" id="{81ADB6A5-4F3A-ACC0-A109-3335478D3994}"/>
               </a:ext>
             </a:extLst>
           </p:cNvPr>
@@ -2661,7 +2661,7 @@
           <a:bodyPr/>
           <a:lstStyle/>
           <a:p>
-            <a:fld id="{77C5CD56-2F67-4076-9CC1-CFE1FDA15A44}" type="datetimeFigureOut">
+            <a:fld id="{2AE5ABDB-7A2C-49E3-BE05-9608494B3E6C}" type="datetimeFigureOut">
               <a:rPr lang="zh-CN" altLang="en-US" smtClean="0"/>
               <a:t>2024/3/10</a:t>
             </a:fld>
@@ -2674,7 +2674,7 @@
           <p:cNvPr id="6" name="页脚占位符 5">
             <a:extLst>
               <a:ext uri="{FF2B5EF4-FFF2-40B4-BE49-F238E27FC236}">
-                <a16:creationId xmlns:a16="http://schemas.microsoft.com/office/drawing/2014/main" id="{CCF98A91-FF49-B1C0-5E21-E6FE8D7A893D}"/>
+                <a16:creationId xmlns:a16="http://schemas.microsoft.com/office/drawing/2014/main" id="{7CFD77CD-FAF5-B770-6190-B1480BE6757F}"/>
               </a:ext>
             </a:extLst>
           </p:cNvPr>
@@ -2699,7 +2699,7 @@
           <p:cNvPr id="7" name="灯片编号占位符 6">
             <a:extLst>
               <a:ext uri="{FF2B5EF4-FFF2-40B4-BE49-F238E27FC236}">
-                <a16:creationId xmlns:a16="http://schemas.microsoft.com/office/drawing/2014/main" id="{21DEBC5B-CE2F-2FD3-0A90-053CBF9D2538}"/>
+                <a16:creationId xmlns:a16="http://schemas.microsoft.com/office/drawing/2014/main" id="{53C67DEA-FC2E-94F6-7E8B-B7A03DE44405}"/>
               </a:ext>
             </a:extLst>
           </p:cNvPr>
@@ -2715,7 +2715,7 @@
           <a:bodyPr/>
           <a:lstStyle/>
           <a:p>
-            <a:fld id="{C84D6BEA-9E07-4E8B-B13E-9AF8D54BB071}" type="slidenum">
+            <a:fld id="{E941C4AC-F87C-42D2-8E6A-B5B7EA2C1C3B}" type="slidenum">
               <a:rPr lang="zh-CN" altLang="en-US" smtClean="0"/>
               <a:t>‹#›</a:t>
             </a:fld>
@@ -2726,7 +2726,7 @@
     </p:spTree>
     <p:extLst>
       <p:ext uri="{BB962C8B-B14F-4D97-AF65-F5344CB8AC3E}">
-        <p14:creationId xmlns:p14="http://schemas.microsoft.com/office/powerpoint/2010/main" val="125350084"/>
+        <p14:creationId xmlns:p14="http://schemas.microsoft.com/office/powerpoint/2010/main" val="1270417413"/>
       </p:ext>
     </p:extLst>
   </p:cSld>
@@ -2763,7 +2763,7 @@
           <p:cNvPr id="2" name="标题占位符 1">
             <a:extLst>
               <a:ext uri="{FF2B5EF4-FFF2-40B4-BE49-F238E27FC236}">
-                <a16:creationId xmlns:a16="http://schemas.microsoft.com/office/drawing/2014/main" id="{14D58D18-B597-FF80-9B93-36E07D696E0F}"/>
+                <a16:creationId xmlns:a16="http://schemas.microsoft.com/office/drawing/2014/main" id="{C19E5849-8A3D-4E3F-C3E3-832E4094118B}"/>
               </a:ext>
             </a:extLst>
           </p:cNvPr>
@@ -2801,7 +2801,7 @@
           <p:cNvPr id="3" name="文本占位符 2">
             <a:extLst>
               <a:ext uri="{FF2B5EF4-FFF2-40B4-BE49-F238E27FC236}">
-                <a16:creationId xmlns:a16="http://schemas.microsoft.com/office/drawing/2014/main" id="{406CE481-C8F0-5E12-74AC-2FE41BFCBE35}"/>
+                <a16:creationId xmlns:a16="http://schemas.microsoft.com/office/drawing/2014/main" id="{190F667D-5F8E-A0B7-C79D-9EAF7A4139FB}"/>
               </a:ext>
             </a:extLst>
           </p:cNvPr>
@@ -2868,7 +2868,7 @@
           <p:cNvPr id="4" name="日期占位符 3">
             <a:extLst>
               <a:ext uri="{FF2B5EF4-FFF2-40B4-BE49-F238E27FC236}">
-                <a16:creationId xmlns:a16="http://schemas.microsoft.com/office/drawing/2014/main" id="{2E822634-CF14-B737-1C77-A2682F49D0BC}"/>
+                <a16:creationId xmlns:a16="http://schemas.microsoft.com/office/drawing/2014/main" id="{21E16770-8F2C-5F53-5049-82226DAB34ED}"/>
               </a:ext>
             </a:extLst>
           </p:cNvPr>
@@ -2902,7 +2902,7 @@
             </a:lvl1pPr>
           </a:lstStyle>
           <a:p>
-            <a:fld id="{77C5CD56-2F67-4076-9CC1-CFE1FDA15A44}" type="datetimeFigureOut">
+            <a:fld id="{2AE5ABDB-7A2C-49E3-BE05-9608494B3E6C}" type="datetimeFigureOut">
               <a:rPr lang="zh-CN" altLang="en-US" smtClean="0"/>
               <a:t>2024/3/10</a:t>
             </a:fld>
@@ -2915,7 +2915,7 @@
           <p:cNvPr id="5" name="页脚占位符 4">
             <a:extLst>
               <a:ext uri="{FF2B5EF4-FFF2-40B4-BE49-F238E27FC236}">
-                <a16:creationId xmlns:a16="http://schemas.microsoft.com/office/drawing/2014/main" id="{7F2C1DAD-4580-2845-F914-816751E85E56}"/>
+                <a16:creationId xmlns:a16="http://schemas.microsoft.com/office/drawing/2014/main" id="{AD104C8D-A0E3-0589-81D7-4A2F8E466AF6}"/>
               </a:ext>
             </a:extLst>
           </p:cNvPr>
@@ -2958,7 +2958,7 @@
           <p:cNvPr id="6" name="灯片编号占位符 5">
             <a:extLst>
               <a:ext uri="{FF2B5EF4-FFF2-40B4-BE49-F238E27FC236}">
-                <a16:creationId xmlns:a16="http://schemas.microsoft.com/office/drawing/2014/main" id="{7A3327D9-8599-8F14-1FBD-511106288576}"/>
+                <a16:creationId xmlns:a16="http://schemas.microsoft.com/office/drawing/2014/main" id="{C6F4571D-740E-288A-2DEA-A166029675A2}"/>
               </a:ext>
             </a:extLst>
           </p:cNvPr>
@@ -2992,7 +2992,7 @@
             </a:lvl1pPr>
           </a:lstStyle>
           <a:p>
-            <a:fld id="{C84D6BEA-9E07-4E8B-B13E-9AF8D54BB071}" type="slidenum">
+            <a:fld id="{E941C4AC-F87C-42D2-8E6A-B5B7EA2C1C3B}" type="slidenum">
               <a:rPr lang="zh-CN" altLang="en-US" smtClean="0"/>
               <a:t>‹#›</a:t>
             </a:fld>
@@ -3003,7 +3003,7 @@
     </p:spTree>
     <p:extLst>
       <p:ext uri="{BB962C8B-B14F-4D97-AF65-F5344CB8AC3E}">
-        <p14:creationId xmlns:p14="http://schemas.microsoft.com/office/powerpoint/2010/main" val="2679960629"/>
+        <p14:creationId xmlns:p14="http://schemas.microsoft.com/office/powerpoint/2010/main" val="2525421465"/>
       </p:ext>
     </p:extLst>
   </p:cSld>
